--- a/2nd_delivery_slide.pptx
+++ b/2nd_delivery_slide.pptx
@@ -21,6 +21,7 @@
     <p:sldId id="266" r:id="rId18"/>
     <p:sldId id="267" r:id="rId19"/>
     <p:sldId id="268" r:id="rId20"/>
+    <p:sldId id="269" r:id="rId21"/>
   </p:sldIdLst>
   <p:sldSz cx="12192000" cy="6858000"/>
   <p:notesSz cx="6858000" cy="9144000"/>
@@ -2714,7 +2715,7 @@
               </a:defRPr>
             </a:pPr>
             <a:r>
-              <a:t>Water Quality Monitoring For Fish Cage</a:t>
+              <a:t>Water Quality Monitoring For Fish Pond</a:t>
             </a:r>
           </a:p>
           <a:p>
@@ -2853,7 +2854,7 @@
           <a:p>
             <a:pPr/>
             <a:r>
-              <a:t> April -2021</a:t>
+              <a:t> May -2021</a:t>
             </a:r>
           </a:p>
         </p:txBody>
@@ -2886,7 +2887,7 @@
       </p:grpSpPr>
       <p:sp>
         <p:nvSpPr>
-          <p:cNvPr id="135" name="Content Placeholder 2"/>
+          <p:cNvPr id="124" name="Content Placeholder 2"/>
           <p:cNvSpPr txBox="1"/>
           <p:nvPr>
             <p:ph type="body" idx="1"/>
@@ -2894,8 +2895,8 @@
         </p:nvSpPr>
         <p:spPr>
           <a:xfrm>
-            <a:off x="928253" y="429490"/>
-            <a:ext cx="10487891" cy="5832763"/>
+            <a:off x="2122631" y="555701"/>
+            <a:ext cx="9760530" cy="6109856"/>
           </a:xfrm>
           <a:prstGeom prst="rect">
             <a:avLst/>
@@ -2903,34 +2904,457 @@
         </p:spPr>
         <p:txBody>
           <a:bodyPr/>
-          <a:lstStyle/>
-          <a:p>
-            <a:pPr marL="0" indent="0">
+          <a:lstStyle>
+            <a:lvl1pPr marL="0" indent="0">
               <a:buSzTx/>
               <a:buNone/>
-            </a:pPr>
-            <a:r>
-              <a:t>4. What kind of collective intelligence do you expect will emerge?</a:t>
-            </a:r>
-          </a:p>
-          <a:p>
-            <a:pPr marL="0" indent="0">
-              <a:buSzTx/>
-              <a:buNone/>
-            </a:pPr>
-          </a:p>
-          <a:p>
-            <a:pPr marL="0" indent="0">
-              <a:buSzTx/>
-              <a:buNone/>
-              <a:defRPr sz="2000"/>
-            </a:pPr>
-            <a:r>
-              <a:t>Our purpose is to replicate a similar environment as that of the offshore fish cage and present it to the Artificial fish pond in the remote fish farm with optimal condition to get better fish growth rate.</a:t>
+            </a:lvl1pPr>
+          </a:lstStyle>
+          <a:p>
+            <a:pPr/>
+            <a:r>
+              <a:t> Water Quality Monitoring System Structure</a:t>
             </a:r>
           </a:p>
         </p:txBody>
       </p:sp>
+      <p:pic>
+        <p:nvPicPr>
+          <p:cNvPr id="125" name="Segnaposto contenuto 4" descr="Segnaposto contenuto 4"/>
+          <p:cNvPicPr>
+            <a:picLocks noChangeAspect="1"/>
+          </p:cNvPicPr>
+          <p:nvPr/>
+        </p:nvPicPr>
+        <p:blipFill>
+          <a:blip r:embed="rId2">
+            <a:extLst/>
+          </a:blip>
+          <a:stretch>
+            <a:fillRect/>
+          </a:stretch>
+        </p:blipFill>
+        <p:spPr>
+          <a:xfrm>
+            <a:off x="5747323" y="2270821"/>
+            <a:ext cx="2054150" cy="1336412"/>
+          </a:xfrm>
+          <a:prstGeom prst="rect">
+            <a:avLst/>
+          </a:prstGeom>
+          <a:ln w="12700">
+            <a:miter lim="400000"/>
+          </a:ln>
+        </p:spPr>
+      </p:pic>
+      <p:pic>
+        <p:nvPicPr>
+          <p:cNvPr id="126" name="Immagine 6" descr="Immagine 6"/>
+          <p:cNvPicPr>
+            <a:picLocks noChangeAspect="1"/>
+          </p:cNvPicPr>
+          <p:nvPr/>
+        </p:nvPicPr>
+        <p:blipFill>
+          <a:blip r:embed="rId3">
+            <a:extLst/>
+          </a:blip>
+          <a:stretch>
+            <a:fillRect/>
+          </a:stretch>
+        </p:blipFill>
+        <p:spPr>
+          <a:xfrm rot="5400000">
+            <a:off x="767136" y="1849826"/>
+            <a:ext cx="2159047" cy="2178401"/>
+          </a:xfrm>
+          <a:prstGeom prst="rect">
+            <a:avLst/>
+          </a:prstGeom>
+          <a:ln w="12700">
+            <a:miter lim="400000"/>
+          </a:ln>
+        </p:spPr>
+      </p:pic>
+      <p:pic>
+        <p:nvPicPr>
+          <p:cNvPr id="127" name="Immagine 8" descr="Immagine 8"/>
+          <p:cNvPicPr>
+            <a:picLocks noChangeAspect="1"/>
+          </p:cNvPicPr>
+          <p:nvPr/>
+        </p:nvPicPr>
+        <p:blipFill>
+          <a:blip r:embed="rId4">
+            <a:extLst/>
+          </a:blip>
+          <a:stretch>
+            <a:fillRect/>
+          </a:stretch>
+        </p:blipFill>
+        <p:spPr>
+          <a:xfrm>
+            <a:off x="3783723" y="2497670"/>
+            <a:ext cx="1115737" cy="882713"/>
+          </a:xfrm>
+          <a:prstGeom prst="rect">
+            <a:avLst/>
+          </a:prstGeom>
+          <a:ln w="12700">
+            <a:miter lim="400000"/>
+          </a:ln>
+        </p:spPr>
+      </p:pic>
+      <p:sp>
+        <p:nvSpPr>
+          <p:cNvPr id="128" name="Connettore 2 14"/>
+          <p:cNvSpPr/>
+          <p:nvPr/>
+        </p:nvSpPr>
+        <p:spPr>
+          <a:xfrm>
+            <a:off x="2935859" y="2939026"/>
+            <a:ext cx="847865" cy="1"/>
+          </a:xfrm>
+          <a:prstGeom prst="line">
+            <a:avLst/>
+          </a:prstGeom>
+          <a:ln w="6350">
+            <a:solidFill>
+              <a:srgbClr val="000000"/>
+            </a:solidFill>
+            <a:miter/>
+            <a:headEnd type="triangle"/>
+            <a:tailEnd type="triangle"/>
+          </a:ln>
+        </p:spPr>
+        <p:txBody>
+          <a:bodyPr lIns="45719" rIns="45719"/>
+          <a:lstStyle/>
+          <a:p>
+            <a:pPr>
+              <a:defRPr>
+                <a:latin typeface="Calisto MT"/>
+                <a:ea typeface="Calisto MT"/>
+                <a:cs typeface="Calisto MT"/>
+                <a:sym typeface="Calisto MT"/>
+              </a:defRPr>
+            </a:pPr>
+          </a:p>
+        </p:txBody>
+      </p:sp>
+      <p:sp>
+        <p:nvSpPr>
+          <p:cNvPr id="129" name="Connettore 2 16"/>
+          <p:cNvSpPr/>
+          <p:nvPr/>
+        </p:nvSpPr>
+        <p:spPr>
+          <a:xfrm>
+            <a:off x="4899459" y="2939026"/>
+            <a:ext cx="847865" cy="1"/>
+          </a:xfrm>
+          <a:prstGeom prst="line">
+            <a:avLst/>
+          </a:prstGeom>
+          <a:ln w="6350">
+            <a:solidFill>
+              <a:srgbClr val="000000"/>
+            </a:solidFill>
+            <a:miter/>
+            <a:headEnd type="triangle"/>
+            <a:tailEnd type="triangle"/>
+          </a:ln>
+        </p:spPr>
+        <p:txBody>
+          <a:bodyPr lIns="45719" rIns="45719"/>
+          <a:lstStyle/>
+          <a:p>
+            <a:pPr>
+              <a:defRPr>
+                <a:latin typeface="Calisto MT"/>
+                <a:ea typeface="Calisto MT"/>
+                <a:cs typeface="Calisto MT"/>
+                <a:sym typeface="Calisto MT"/>
+              </a:defRPr>
+            </a:pPr>
+          </a:p>
+        </p:txBody>
+      </p:sp>
+      <p:sp>
+        <p:nvSpPr>
+          <p:cNvPr id="130" name="Connettore 2 7"/>
+          <p:cNvSpPr/>
+          <p:nvPr/>
+        </p:nvSpPr>
+        <p:spPr>
+          <a:xfrm flipV="1">
+            <a:off x="7801472" y="2939026"/>
+            <a:ext cx="1015071" cy="2"/>
+          </a:xfrm>
+          <a:prstGeom prst="line">
+            <a:avLst/>
+          </a:prstGeom>
+          <a:ln w="6350">
+            <a:solidFill>
+              <a:srgbClr val="000000"/>
+            </a:solidFill>
+            <a:miter/>
+            <a:headEnd type="triangle"/>
+            <a:tailEnd type="triangle"/>
+          </a:ln>
+        </p:spPr>
+        <p:txBody>
+          <a:bodyPr lIns="45719" rIns="45719"/>
+          <a:lstStyle/>
+          <a:p>
+            <a:pPr>
+              <a:defRPr>
+                <a:latin typeface="Calisto MT"/>
+                <a:ea typeface="Calisto MT"/>
+                <a:cs typeface="Calisto MT"/>
+                <a:sym typeface="Calisto MT"/>
+              </a:defRPr>
+            </a:pPr>
+          </a:p>
+        </p:txBody>
+      </p:sp>
+      <p:sp>
+        <p:nvSpPr>
+          <p:cNvPr id="131" name="CasellaDiTesto 15"/>
+          <p:cNvSpPr txBox="1"/>
+          <p:nvPr/>
+        </p:nvSpPr>
+        <p:spPr>
+          <a:xfrm>
+            <a:off x="803179" y="3649217"/>
+            <a:ext cx="1615825" cy="333088"/>
+          </a:xfrm>
+          <a:prstGeom prst="rect">
+            <a:avLst/>
+          </a:prstGeom>
+          <a:ln w="12700">
+            <a:miter lim="400000"/>
+          </a:ln>
+          <a:extLst>
+            <a:ext uri="{C572A759-6A51-4108-AA02-DFA0A04FC94B}">
+              <ma14:wrappingTextBoxFlag xmlns:ma14="http://schemas.microsoft.com/office/mac/drawingml/2011/main" val="1"/>
+            </a:ext>
+          </a:extLst>
+        </p:spPr>
+        <p:txBody>
+          <a:bodyPr wrap="none" lIns="45719" rIns="45719">
+            <a:spAutoFit/>
+          </a:bodyPr>
+          <a:lstStyle/>
+          <a:p>
+            <a:pPr/>
+            <a:r>
+              <a:t>NUCLEO F401RE</a:t>
+            </a:r>
+          </a:p>
+        </p:txBody>
+      </p:sp>
+      <p:sp>
+        <p:nvSpPr>
+          <p:cNvPr id="132" name="CasellaDiTesto 19"/>
+          <p:cNvSpPr txBox="1"/>
+          <p:nvPr/>
+        </p:nvSpPr>
+        <p:spPr>
+          <a:xfrm>
+            <a:off x="5834911" y="3715757"/>
+            <a:ext cx="1285315" cy="333088"/>
+          </a:xfrm>
+          <a:prstGeom prst="rect">
+            <a:avLst/>
+          </a:prstGeom>
+          <a:ln w="12700">
+            <a:miter lim="400000"/>
+          </a:ln>
+          <a:extLst>
+            <a:ext uri="{C572A759-6A51-4108-AA02-DFA0A04FC94B}">
+              <ma14:wrappingTextBoxFlag xmlns:ma14="http://schemas.microsoft.com/office/mac/drawingml/2011/main" val="1"/>
+            </a:ext>
+          </a:extLst>
+        </p:spPr>
+        <p:txBody>
+          <a:bodyPr wrap="none" lIns="45719" rIns="45719">
+            <a:spAutoFit/>
+          </a:bodyPr>
+          <a:lstStyle/>
+          <a:p>
+            <a:pPr/>
+            <a:r>
+              <a:t>Arduino Uno</a:t>
+            </a:r>
+          </a:p>
+        </p:txBody>
+      </p:sp>
+      <p:sp>
+        <p:nvSpPr>
+          <p:cNvPr id="133" name="CasellaDiTesto 20"/>
+          <p:cNvSpPr txBox="1"/>
+          <p:nvPr/>
+        </p:nvSpPr>
+        <p:spPr>
+          <a:xfrm>
+            <a:off x="9872175" y="2747256"/>
+            <a:ext cx="1443747" cy="383541"/>
+          </a:xfrm>
+          <a:prstGeom prst="rect">
+            <a:avLst/>
+          </a:prstGeom>
+          <a:ln w="12700">
+            <a:miter lim="400000"/>
+          </a:ln>
+          <a:extLst>
+            <a:ext uri="{C572A759-6A51-4108-AA02-DFA0A04FC94B}">
+              <ma14:wrappingTextBoxFlag xmlns:ma14="http://schemas.microsoft.com/office/mac/drawingml/2011/main" val="1"/>
+            </a:ext>
+          </a:extLst>
+        </p:spPr>
+        <p:txBody>
+          <a:bodyPr lIns="45719" rIns="45719">
+            <a:spAutoFit/>
+          </a:bodyPr>
+          <a:lstStyle>
+            <a:lvl1pPr>
+              <a:defRPr>
+                <a:latin typeface="Calisto MT"/>
+                <a:ea typeface="Calisto MT"/>
+                <a:cs typeface="Calisto MT"/>
+                <a:sym typeface="Calisto MT"/>
+              </a:defRPr>
+            </a:lvl1pPr>
+          </a:lstStyle>
+          <a:p>
+            <a:pPr/>
+            <a:r>
+              <a:t>Sensors</a:t>
+            </a:r>
+          </a:p>
+        </p:txBody>
+      </p:sp>
+      <p:sp>
+        <p:nvSpPr>
+          <p:cNvPr id="134" name="CasellaDiTesto 21"/>
+          <p:cNvSpPr txBox="1"/>
+          <p:nvPr/>
+        </p:nvSpPr>
+        <p:spPr>
+          <a:xfrm>
+            <a:off x="1511267" y="1932557"/>
+            <a:ext cx="670785" cy="256541"/>
+          </a:xfrm>
+          <a:prstGeom prst="rect">
+            <a:avLst/>
+          </a:prstGeom>
+          <a:ln w="12700">
+            <a:miter lim="400000"/>
+          </a:ln>
+          <a:extLst>
+            <a:ext uri="{C572A759-6A51-4108-AA02-DFA0A04FC94B}">
+              <ma14:wrappingTextBoxFlag xmlns:ma14="http://schemas.microsoft.com/office/mac/drawingml/2011/main" val="1"/>
+            </a:ext>
+          </a:extLst>
+        </p:spPr>
+        <p:txBody>
+          <a:bodyPr wrap="none" lIns="45719" rIns="45719">
+            <a:spAutoFit/>
+          </a:bodyPr>
+          <a:lstStyle>
+            <a:lvl1pPr>
+              <a:defRPr sz="1100">
+                <a:latin typeface="Calisto MT"/>
+                <a:ea typeface="Calisto MT"/>
+                <a:cs typeface="Calisto MT"/>
+                <a:sym typeface="Calisto MT"/>
+              </a:defRPr>
+            </a:lvl1pPr>
+          </a:lstStyle>
+          <a:p>
+            <a:pPr/>
+            <a:r>
+              <a:t>MASTER</a:t>
+            </a:r>
+          </a:p>
+        </p:txBody>
+      </p:sp>
+      <p:sp>
+        <p:nvSpPr>
+          <p:cNvPr id="135" name="CasellaDiTesto 22"/>
+          <p:cNvSpPr txBox="1"/>
+          <p:nvPr/>
+        </p:nvSpPr>
+        <p:spPr>
+          <a:xfrm>
+            <a:off x="6639197" y="1788273"/>
+            <a:ext cx="536270" cy="256541"/>
+          </a:xfrm>
+          <a:prstGeom prst="rect">
+            <a:avLst/>
+          </a:prstGeom>
+          <a:ln w="12700">
+            <a:miter lim="400000"/>
+          </a:ln>
+          <a:extLst>
+            <a:ext uri="{C572A759-6A51-4108-AA02-DFA0A04FC94B}">
+              <ma14:wrappingTextBoxFlag xmlns:ma14="http://schemas.microsoft.com/office/mac/drawingml/2011/main" val="1"/>
+            </a:ext>
+          </a:extLst>
+        </p:spPr>
+        <p:txBody>
+          <a:bodyPr wrap="none" lIns="45719" rIns="45719">
+            <a:spAutoFit/>
+          </a:bodyPr>
+          <a:lstStyle>
+            <a:lvl1pPr>
+              <a:defRPr sz="1100">
+                <a:latin typeface="Calisto MT"/>
+                <a:ea typeface="Calisto MT"/>
+                <a:cs typeface="Calisto MT"/>
+                <a:sym typeface="Calisto MT"/>
+              </a:defRPr>
+            </a:lvl1pPr>
+          </a:lstStyle>
+          <a:p>
+            <a:pPr/>
+            <a:r>
+              <a:t>SLAVE</a:t>
+            </a:r>
+          </a:p>
+        </p:txBody>
+      </p:sp>
+      <p:pic>
+        <p:nvPicPr>
+          <p:cNvPr id="136" name="sensor.png" descr="sensor.png"/>
+          <p:cNvPicPr>
+            <a:picLocks noChangeAspect="1"/>
+          </p:cNvPicPr>
+          <p:nvPr/>
+        </p:nvPicPr>
+        <p:blipFill>
+          <a:blip r:embed="rId5">
+            <a:extLst/>
+          </a:blip>
+          <a:stretch>
+            <a:fillRect/>
+          </a:stretch>
+        </p:blipFill>
+        <p:spPr>
+          <a:xfrm>
+            <a:off x="8836824" y="2431491"/>
+            <a:ext cx="1015071" cy="1015071"/>
+          </a:xfrm>
+          <a:prstGeom prst="rect">
+            <a:avLst/>
+          </a:prstGeom>
+          <a:ln w="12700">
+            <a:miter lim="400000"/>
+          </a:ln>
+        </p:spPr>
+      </p:pic>
     </p:spTree>
   </p:cSld>
   <p:clrMapOvr>
@@ -2959,7 +3383,7 @@
       </p:grpSpPr>
       <p:sp>
         <p:nvSpPr>
-          <p:cNvPr id="137" name="Content Placeholder 2"/>
+          <p:cNvPr id="138" name="Content Placeholder 2"/>
           <p:cNvSpPr txBox="1"/>
           <p:nvPr>
             <p:ph type="body" idx="1"/>
@@ -2967,8 +3391,8 @@
         </p:nvSpPr>
         <p:spPr>
           <a:xfrm>
-            <a:off x="1177635" y="581889"/>
-            <a:ext cx="10196946" cy="5624947"/>
+            <a:off x="928253" y="429490"/>
+            <a:ext cx="10487891" cy="5832763"/>
           </a:xfrm>
           <a:prstGeom prst="rect">
             <a:avLst/>
@@ -2983,7 +3407,7 @@
               <a:buNone/>
             </a:pPr>
             <a:r>
-              <a:t>5. What are you going to learn and how will you act into the environment by what actuators?</a:t>
+              <a:t>4. What kind of collective intelligence do you expect will emerge?</a:t>
             </a:r>
           </a:p>
           <a:p>
@@ -2996,30 +3420,10 @@
             <a:pPr marL="0" indent="0">
               <a:buSzTx/>
               <a:buNone/>
-              <a:defRPr i="1" sz="2000"/>
+              <a:defRPr sz="2000"/>
             </a:pPr>
             <a:r>
-              <a:t>We are going to monitor three important parameters of water in fish-living area to monitor and control the fish growth and prevent fish death.</a:t>
-            </a:r>
-          </a:p>
-          <a:p>
-            <a:pPr marL="0" indent="0">
-              <a:buSzTx/>
-              <a:buNone/>
-              <a:defRPr i="1" sz="2000"/>
-            </a:pPr>
-            <a:r>
-              <a:t>In case of water impurity, which can be measured by pH and Turbidity sensors, we will start a water pump to add pure water to the Fish pond to make the water pure in comparison with previous state.</a:t>
-            </a:r>
-          </a:p>
-          <a:p>
-            <a:pPr marL="0" indent="0">
-              <a:buSzTx/>
-              <a:buNone/>
-              <a:defRPr i="1" sz="2000"/>
-            </a:pPr>
-            <a:r>
-              <a:t>In case of water high temperature, we will turn on an LED to notify operators to start pump to add some cold water to the existing Fish pond.</a:t>
+              <a:t>Our purpose is to replicate a similar environment as that of the offshore fish cage and present it to the Artificial fish pond in the remote fish farm with optimal condition to get better fish growth rate.</a:t>
             </a:r>
           </a:p>
         </p:txBody>
@@ -3052,7 +3456,7 @@
       </p:grpSpPr>
       <p:sp>
         <p:nvSpPr>
-          <p:cNvPr id="139" name="Content Placeholder 4"/>
+          <p:cNvPr id="140" name="Content Placeholder 2"/>
           <p:cNvSpPr txBox="1"/>
           <p:nvPr>
             <p:ph type="body" idx="1"/>
@@ -3060,8 +3464,8 @@
         </p:nvSpPr>
         <p:spPr>
           <a:xfrm>
-            <a:off x="1219200" y="678872"/>
-            <a:ext cx="9712036" cy="5133111"/>
+            <a:off x="1177635" y="581889"/>
+            <a:ext cx="10196946" cy="5624947"/>
           </a:xfrm>
           <a:prstGeom prst="rect">
             <a:avLst/>
@@ -3076,7 +3480,7 @@
               <a:buNone/>
             </a:pPr>
             <a:r>
-              <a:t>6. How are you going to measure the effectiveness of your actions into the environment?</a:t>
+              <a:t>5. What are you going to learn and how will you act into the environment by what actuators?</a:t>
             </a:r>
           </a:p>
           <a:p>
@@ -3092,7 +3496,27 @@
               <a:defRPr i="1" sz="2000"/>
             </a:pPr>
             <a:r>
-              <a:t>Water pollution is one of the biggest issue affecting the fish growth and survival rate. In order to guarantee clean water for fish ponds, it should be based on real-time monitoring. In this project, we present a design and development of a low cost system for monitoring of the water quality. The system measures physical and chemical parameters of the water. The parameters such as temperature, PH, turbidity of the water can be measured. These values will interpret by Data processing part of the system (Controller) and relevant actions will be applied to the environment through actuators at the right time.  Therefore having a real time sensing and actuation will be effective and prevent fish death in our case.</a:t>
+              <a:t>We are going to monitor three important parameters of water in fish-living area to monitor and control the fish growth and prevent fish death.</a:t>
+            </a:r>
+          </a:p>
+          <a:p>
+            <a:pPr marL="0" indent="0">
+              <a:buSzTx/>
+              <a:buNone/>
+              <a:defRPr i="1" sz="2000"/>
+            </a:pPr>
+            <a:r>
+              <a:t>In case of water impurity, which can be measured by pH and Turbidity sensors, we will start a water pump to add pure water to the Fish pond to make the water pure in comparison with previous state.</a:t>
+            </a:r>
+          </a:p>
+          <a:p>
+            <a:pPr marL="0" indent="0">
+              <a:buSzTx/>
+              <a:buNone/>
+              <a:defRPr i="1" sz="2000"/>
+            </a:pPr>
+            <a:r>
+              <a:t>In case of water high temperature, we will turn on an LED to notify operators to start pump to add some cold water to the existing Fish pond.</a:t>
             </a:r>
           </a:p>
         </p:txBody>
@@ -3125,7 +3549,80 @@
       </p:grpSpPr>
       <p:sp>
         <p:nvSpPr>
-          <p:cNvPr id="141" name="Content Placeholder 2"/>
+          <p:cNvPr id="142" name="Content Placeholder 4"/>
+          <p:cNvSpPr txBox="1"/>
+          <p:nvPr>
+            <p:ph type="body" idx="1"/>
+          </p:nvPr>
+        </p:nvSpPr>
+        <p:spPr>
+          <a:xfrm>
+            <a:off x="1219200" y="678872"/>
+            <a:ext cx="9712036" cy="5133111"/>
+          </a:xfrm>
+          <a:prstGeom prst="rect">
+            <a:avLst/>
+          </a:prstGeom>
+        </p:spPr>
+        <p:txBody>
+          <a:bodyPr/>
+          <a:lstStyle/>
+          <a:p>
+            <a:pPr marL="0" indent="0">
+              <a:buSzTx/>
+              <a:buNone/>
+            </a:pPr>
+            <a:r>
+              <a:t>6. How are you going to measure the effectiveness of your actions into the environment?</a:t>
+            </a:r>
+          </a:p>
+          <a:p>
+            <a:pPr marL="0" indent="0">
+              <a:buSzTx/>
+              <a:buNone/>
+            </a:pPr>
+          </a:p>
+          <a:p>
+            <a:pPr marL="0" indent="0">
+              <a:buSzTx/>
+              <a:buNone/>
+              <a:defRPr i="1" sz="2000"/>
+            </a:pPr>
+            <a:r>
+              <a:t>Water pollution is one of the biggest issue affecting the fish growth and survival rate. In order to guarantee clean water for fish ponds, it should be based on real-time monitoring. In this project, we present a design and development of a low cost system for monitoring of the water quality. The system measures physical and chemical parameters of the water. The parameters such as temperature, PH, turbidity of the water can be measured. These values will interpret by Data processing part of the system (Controller) and relevant actions will be applied to the environment through actuators at the right time.  Therefore having a real time sensing and actuation will be effective and prevent fish death in our case.</a:t>
+            </a:r>
+          </a:p>
+        </p:txBody>
+      </p:sp>
+    </p:spTree>
+  </p:cSld>
+  <p:clrMapOvr>
+    <a:masterClrMapping/>
+  </p:clrMapOvr>
+  <p:transition xmlns:p14="http://schemas.microsoft.com/office/powerpoint/2010/main" spd="med" advClick="1"/>
+</p:sld>
+</file>
+
+<file path=ppt/slides/slide14.xml><?xml version="1.0" encoding="utf-8"?>
+<p:sld xmlns:a="http://schemas.openxmlformats.org/drawingml/2006/main" xmlns:r="http://schemas.openxmlformats.org/officeDocument/2006/relationships" xmlns:p="http://schemas.openxmlformats.org/presentationml/2006/main" xmlns:m="http://schemas.openxmlformats.org/officeDocument/2006/math" xmlns:a14="http://schemas.microsoft.com/office/drawing/2010/main" showMasterSp="1" showMasterPhAnim="1">
+  <p:cSld>
+    <p:spTree>
+      <p:nvGrpSpPr>
+        <p:cNvPr id="1" name=""/>
+        <p:cNvGrpSpPr/>
+        <p:nvPr/>
+      </p:nvGrpSpPr>
+      <p:grpSpPr>
+        <a:xfrm>
+          <a:off x="0" y="0"/>
+          <a:ext cx="0" cy="0"/>
+          <a:chOff x="0" y="0"/>
+          <a:chExt cx="0" cy="0"/>
+        </a:xfrm>
+      </p:grpSpPr>
+      <p:sp>
+        <p:nvSpPr>
+          <p:cNvPr id="144" name="Content Placeholder 2"/>
           <p:cNvSpPr txBox="1"/>
           <p:nvPr>
             <p:ph type="body" idx="1"/>
@@ -3812,8 +4309,8 @@
         </p:blipFill>
         <p:spPr>
           <a:xfrm>
-            <a:off x="2189208" y="924221"/>
-            <a:ext cx="6900345" cy="4878988"/>
+            <a:off x="425882" y="1103563"/>
+            <a:ext cx="11340236" cy="4952237"/>
           </a:xfrm>
           <a:prstGeom prst="rect">
             <a:avLst/>
@@ -3851,7 +4348,98 @@
       </p:grpSpPr>
       <p:sp>
         <p:nvSpPr>
-          <p:cNvPr id="112" name="Content Placeholder 2"/>
+          <p:cNvPr id="112" name="Title 1"/>
+          <p:cNvSpPr txBox="1"/>
+          <p:nvPr>
+            <p:ph type="title"/>
+          </p:nvPr>
+        </p:nvSpPr>
+        <p:spPr>
+          <a:xfrm>
+            <a:off x="838200" y="365125"/>
+            <a:ext cx="10515600" cy="660112"/>
+          </a:xfrm>
+          <a:prstGeom prst="rect">
+            <a:avLst/>
+          </a:prstGeom>
+        </p:spPr>
+        <p:txBody>
+          <a:bodyPr/>
+          <a:lstStyle>
+            <a:lvl1pPr>
+              <a:defRPr sz="3900">
+                <a:solidFill>
+                  <a:srgbClr val="0070C0"/>
+                </a:solidFill>
+              </a:defRPr>
+            </a:lvl1pPr>
+          </a:lstStyle>
+          <a:p>
+            <a:pPr/>
+            <a:r>
+              <a:t>IoT Device</a:t>
+            </a:r>
+          </a:p>
+        </p:txBody>
+      </p:sp>
+      <p:pic>
+        <p:nvPicPr>
+          <p:cNvPr id="113" name="20210520_162737.jpg" descr="20210520_162737.jpg"/>
+          <p:cNvPicPr>
+            <a:picLocks noChangeAspect="1"/>
+          </p:cNvPicPr>
+          <p:nvPr/>
+        </p:nvPicPr>
+        <p:blipFill>
+          <a:blip r:embed="rId2">
+            <a:extLst/>
+          </a:blip>
+          <a:stretch>
+            <a:fillRect/>
+          </a:stretch>
+        </p:blipFill>
+        <p:spPr>
+          <a:xfrm>
+            <a:off x="2532755" y="1017492"/>
+            <a:ext cx="6849298" cy="5136973"/>
+          </a:xfrm>
+          <a:prstGeom prst="rect">
+            <a:avLst/>
+          </a:prstGeom>
+          <a:ln w="12700">
+            <a:miter lim="400000"/>
+          </a:ln>
+        </p:spPr>
+      </p:pic>
+    </p:spTree>
+  </p:cSld>
+  <p:clrMapOvr>
+    <a:masterClrMapping/>
+  </p:clrMapOvr>
+  <p:transition xmlns:p14="http://schemas.microsoft.com/office/powerpoint/2010/main" spd="med" advClick="1"/>
+</p:sld>
+</file>
+
+<file path=ppt/slides/slide8.xml><?xml version="1.0" encoding="utf-8"?>
+<p:sld xmlns:a="http://schemas.openxmlformats.org/drawingml/2006/main" xmlns:r="http://schemas.openxmlformats.org/officeDocument/2006/relationships" xmlns:p="http://schemas.openxmlformats.org/presentationml/2006/main" xmlns:m="http://schemas.openxmlformats.org/officeDocument/2006/math" xmlns:a14="http://schemas.microsoft.com/office/drawing/2010/main" showMasterSp="1" showMasterPhAnim="1">
+  <p:cSld>
+    <p:spTree>
+      <p:nvGrpSpPr>
+        <p:cNvPr id="1" name=""/>
+        <p:cNvGrpSpPr/>
+        <p:nvPr/>
+      </p:nvGrpSpPr>
+      <p:grpSpPr>
+        <a:xfrm>
+          <a:off x="0" y="0"/>
+          <a:ext cx="0" cy="0"/>
+          <a:chOff x="0" y="0"/>
+          <a:chExt cx="0" cy="0"/>
+        </a:xfrm>
+      </p:grpSpPr>
+      <p:sp>
+        <p:nvSpPr>
+          <p:cNvPr id="115" name="Content Placeholder 2"/>
           <p:cNvSpPr txBox="1"/>
           <p:nvPr>
             <p:ph type="body" idx="1"/>
@@ -3884,7 +4472,7 @@
       </p:sp>
       <p:graphicFrame>
         <p:nvGraphicFramePr>
-          <p:cNvPr id="113" name="Table 4"/>
+          <p:cNvPr id="116" name="Table 4"/>
           <p:cNvGraphicFramePr/>
           <p:nvPr/>
         </p:nvGraphicFramePr>
@@ -4230,7 +4818,7 @@
       </p:graphicFrame>
       <p:pic>
         <p:nvPicPr>
-          <p:cNvPr id="114" name="Picture 3" descr="Picture 3"/>
+          <p:cNvPr id="117" name="Picture 3" descr="Picture 3"/>
           <p:cNvPicPr>
             <a:picLocks noChangeAspect="1"/>
           </p:cNvPicPr>
@@ -4259,7 +4847,7 @@
       </p:pic>
       <p:pic>
         <p:nvPicPr>
-          <p:cNvPr id="115" name="Picture 2" descr="Picture 2"/>
+          <p:cNvPr id="118" name="Picture 2" descr="Picture 2"/>
           <p:cNvPicPr>
             <a:picLocks noChangeAspect="1"/>
           </p:cNvPicPr>
@@ -4288,7 +4876,7 @@
       </p:pic>
       <p:pic>
         <p:nvPicPr>
-          <p:cNvPr id="116" name="officeArt object" descr="officeArt object"/>
+          <p:cNvPr id="119" name="officeArt object" descr="officeArt object"/>
           <p:cNvPicPr>
             <a:picLocks noChangeAspect="1"/>
           </p:cNvPicPr>
@@ -4324,7 +4912,7 @@
 </p:sld>
 </file>
 
-<file path=ppt/slides/slide8.xml><?xml version="1.0" encoding="utf-8"?>
+<file path=ppt/slides/slide9.xml><?xml version="1.0" encoding="utf-8"?>
 <p:sld xmlns:a="http://schemas.openxmlformats.org/drawingml/2006/main" xmlns:r="http://schemas.openxmlformats.org/officeDocument/2006/relationships" xmlns:p="http://schemas.openxmlformats.org/presentationml/2006/main" xmlns:m="http://schemas.openxmlformats.org/officeDocument/2006/math" xmlns:a14="http://schemas.microsoft.com/office/drawing/2010/main" showMasterSp="1" showMasterPhAnim="1">
   <p:cSld>
     <p:spTree>
@@ -4343,7 +4931,7 @@
       </p:grpSpPr>
       <p:sp>
         <p:nvSpPr>
-          <p:cNvPr id="118" name="Content Placeholder 2"/>
+          <p:cNvPr id="121" name="Content Placeholder 2"/>
           <p:cNvSpPr txBox="1"/>
           <p:nvPr>
             <p:ph type="body" idx="1"/>
@@ -4376,7 +4964,7 @@
       </p:sp>
       <p:graphicFrame>
         <p:nvGraphicFramePr>
-          <p:cNvPr id="119" name="Table 4"/>
+          <p:cNvPr id="122" name="Table 4"/>
           <p:cNvGraphicFramePr/>
           <p:nvPr/>
         </p:nvGraphicFramePr>
@@ -4589,502 +5177,6 @@
           </a:graphicData>
         </a:graphic>
       </p:graphicFrame>
-    </p:spTree>
-  </p:cSld>
-  <p:clrMapOvr>
-    <a:masterClrMapping/>
-  </p:clrMapOvr>
-  <p:transition xmlns:p14="http://schemas.microsoft.com/office/powerpoint/2010/main" spd="med" advClick="1"/>
-</p:sld>
-</file>
-
-<file path=ppt/slides/slide9.xml><?xml version="1.0" encoding="utf-8"?>
-<p:sld xmlns:a="http://schemas.openxmlformats.org/drawingml/2006/main" xmlns:r="http://schemas.openxmlformats.org/officeDocument/2006/relationships" xmlns:p="http://schemas.openxmlformats.org/presentationml/2006/main" xmlns:m="http://schemas.openxmlformats.org/officeDocument/2006/math" xmlns:a14="http://schemas.microsoft.com/office/drawing/2010/main" showMasterSp="1" showMasterPhAnim="1">
-  <p:cSld>
-    <p:spTree>
-      <p:nvGrpSpPr>
-        <p:cNvPr id="1" name=""/>
-        <p:cNvGrpSpPr/>
-        <p:nvPr/>
-      </p:nvGrpSpPr>
-      <p:grpSpPr>
-        <a:xfrm>
-          <a:off x="0" y="0"/>
-          <a:ext cx="0" cy="0"/>
-          <a:chOff x="0" y="0"/>
-          <a:chExt cx="0" cy="0"/>
-        </a:xfrm>
-      </p:grpSpPr>
-      <p:sp>
-        <p:nvSpPr>
-          <p:cNvPr id="121" name="Content Placeholder 2"/>
-          <p:cNvSpPr txBox="1"/>
-          <p:nvPr>
-            <p:ph type="body" idx="1"/>
-          </p:nvPr>
-        </p:nvSpPr>
-        <p:spPr>
-          <a:xfrm>
-            <a:off x="2122631" y="555701"/>
-            <a:ext cx="9760530" cy="6109856"/>
-          </a:xfrm>
-          <a:prstGeom prst="rect">
-            <a:avLst/>
-          </a:prstGeom>
-        </p:spPr>
-        <p:txBody>
-          <a:bodyPr/>
-          <a:lstStyle>
-            <a:lvl1pPr marL="0" indent="0">
-              <a:buSzTx/>
-              <a:buNone/>
-            </a:lvl1pPr>
-          </a:lstStyle>
-          <a:p>
-            <a:pPr/>
-            <a:r>
-              <a:t> Water Quality Monitoring System Structure</a:t>
-            </a:r>
-          </a:p>
-        </p:txBody>
-      </p:sp>
-      <p:pic>
-        <p:nvPicPr>
-          <p:cNvPr id="122" name="Segnaposto contenuto 4" descr="Segnaposto contenuto 4"/>
-          <p:cNvPicPr>
-            <a:picLocks noChangeAspect="1"/>
-          </p:cNvPicPr>
-          <p:nvPr/>
-        </p:nvPicPr>
-        <p:blipFill>
-          <a:blip r:embed="rId2">
-            <a:extLst/>
-          </a:blip>
-          <a:stretch>
-            <a:fillRect/>
-          </a:stretch>
-        </p:blipFill>
-        <p:spPr>
-          <a:xfrm>
-            <a:off x="5747323" y="2270821"/>
-            <a:ext cx="2054150" cy="1336412"/>
-          </a:xfrm>
-          <a:prstGeom prst="rect">
-            <a:avLst/>
-          </a:prstGeom>
-          <a:ln w="12700">
-            <a:miter lim="400000"/>
-          </a:ln>
-        </p:spPr>
-      </p:pic>
-      <p:pic>
-        <p:nvPicPr>
-          <p:cNvPr id="123" name="Immagine 6" descr="Immagine 6"/>
-          <p:cNvPicPr>
-            <a:picLocks noChangeAspect="1"/>
-          </p:cNvPicPr>
-          <p:nvPr/>
-        </p:nvPicPr>
-        <p:blipFill>
-          <a:blip r:embed="rId3">
-            <a:extLst/>
-          </a:blip>
-          <a:stretch>
-            <a:fillRect/>
-          </a:stretch>
-        </p:blipFill>
-        <p:spPr>
-          <a:xfrm rot="5400000">
-            <a:off x="767136" y="1849826"/>
-            <a:ext cx="2159047" cy="2178401"/>
-          </a:xfrm>
-          <a:prstGeom prst="rect">
-            <a:avLst/>
-          </a:prstGeom>
-          <a:ln w="12700">
-            <a:miter lim="400000"/>
-          </a:ln>
-        </p:spPr>
-      </p:pic>
-      <p:pic>
-        <p:nvPicPr>
-          <p:cNvPr id="124" name="Immagine 8" descr="Immagine 8"/>
-          <p:cNvPicPr>
-            <a:picLocks noChangeAspect="1"/>
-          </p:cNvPicPr>
-          <p:nvPr/>
-        </p:nvPicPr>
-        <p:blipFill>
-          <a:blip r:embed="rId4">
-            <a:extLst/>
-          </a:blip>
-          <a:stretch>
-            <a:fillRect/>
-          </a:stretch>
-        </p:blipFill>
-        <p:spPr>
-          <a:xfrm>
-            <a:off x="3783723" y="2497670"/>
-            <a:ext cx="1115737" cy="882713"/>
-          </a:xfrm>
-          <a:prstGeom prst="rect">
-            <a:avLst/>
-          </a:prstGeom>
-          <a:ln w="12700">
-            <a:miter lim="400000"/>
-          </a:ln>
-        </p:spPr>
-      </p:pic>
-      <p:sp>
-        <p:nvSpPr>
-          <p:cNvPr id="125" name="Connettore 2 14"/>
-          <p:cNvSpPr/>
-          <p:nvPr/>
-        </p:nvSpPr>
-        <p:spPr>
-          <a:xfrm>
-            <a:off x="2935859" y="2939026"/>
-            <a:ext cx="847865" cy="1"/>
-          </a:xfrm>
-          <a:prstGeom prst="line">
-            <a:avLst/>
-          </a:prstGeom>
-          <a:ln w="6350">
-            <a:solidFill>
-              <a:srgbClr val="000000"/>
-            </a:solidFill>
-            <a:miter/>
-            <a:headEnd type="triangle"/>
-            <a:tailEnd type="triangle"/>
-          </a:ln>
-        </p:spPr>
-        <p:txBody>
-          <a:bodyPr lIns="45719" rIns="45719"/>
-          <a:lstStyle/>
-          <a:p>
-            <a:pPr>
-              <a:defRPr>
-                <a:latin typeface="Calisto MT"/>
-                <a:ea typeface="Calisto MT"/>
-                <a:cs typeface="Calisto MT"/>
-                <a:sym typeface="Calisto MT"/>
-              </a:defRPr>
-            </a:pPr>
-          </a:p>
-        </p:txBody>
-      </p:sp>
-      <p:sp>
-        <p:nvSpPr>
-          <p:cNvPr id="126" name="Connettore 2 16"/>
-          <p:cNvSpPr/>
-          <p:nvPr/>
-        </p:nvSpPr>
-        <p:spPr>
-          <a:xfrm>
-            <a:off x="4899459" y="2939026"/>
-            <a:ext cx="847865" cy="1"/>
-          </a:xfrm>
-          <a:prstGeom prst="line">
-            <a:avLst/>
-          </a:prstGeom>
-          <a:ln w="6350">
-            <a:solidFill>
-              <a:srgbClr val="000000"/>
-            </a:solidFill>
-            <a:miter/>
-            <a:headEnd type="triangle"/>
-            <a:tailEnd type="triangle"/>
-          </a:ln>
-        </p:spPr>
-        <p:txBody>
-          <a:bodyPr lIns="45719" rIns="45719"/>
-          <a:lstStyle/>
-          <a:p>
-            <a:pPr>
-              <a:defRPr>
-                <a:latin typeface="Calisto MT"/>
-                <a:ea typeface="Calisto MT"/>
-                <a:cs typeface="Calisto MT"/>
-                <a:sym typeface="Calisto MT"/>
-              </a:defRPr>
-            </a:pPr>
-          </a:p>
-        </p:txBody>
-      </p:sp>
-      <p:sp>
-        <p:nvSpPr>
-          <p:cNvPr id="127" name="Connettore 2 7"/>
-          <p:cNvSpPr/>
-          <p:nvPr/>
-        </p:nvSpPr>
-        <p:spPr>
-          <a:xfrm flipV="1">
-            <a:off x="7801472" y="2939026"/>
-            <a:ext cx="1015071" cy="2"/>
-          </a:xfrm>
-          <a:prstGeom prst="line">
-            <a:avLst/>
-          </a:prstGeom>
-          <a:ln w="6350">
-            <a:solidFill>
-              <a:srgbClr val="000000"/>
-            </a:solidFill>
-            <a:miter/>
-            <a:headEnd type="triangle"/>
-            <a:tailEnd type="triangle"/>
-          </a:ln>
-        </p:spPr>
-        <p:txBody>
-          <a:bodyPr lIns="45719" rIns="45719"/>
-          <a:lstStyle/>
-          <a:p>
-            <a:pPr>
-              <a:defRPr>
-                <a:latin typeface="Calisto MT"/>
-                <a:ea typeface="Calisto MT"/>
-                <a:cs typeface="Calisto MT"/>
-                <a:sym typeface="Calisto MT"/>
-              </a:defRPr>
-            </a:pPr>
-          </a:p>
-        </p:txBody>
-      </p:sp>
-      <p:sp>
-        <p:nvSpPr>
-          <p:cNvPr id="128" name="CasellaDiTesto 15"/>
-          <p:cNvSpPr txBox="1"/>
-          <p:nvPr/>
-        </p:nvSpPr>
-        <p:spPr>
-          <a:xfrm>
-            <a:off x="803179" y="3649217"/>
-            <a:ext cx="1615825" cy="333088"/>
-          </a:xfrm>
-          <a:prstGeom prst="rect">
-            <a:avLst/>
-          </a:prstGeom>
-          <a:ln w="12700">
-            <a:miter lim="400000"/>
-          </a:ln>
-          <a:extLst>
-            <a:ext uri="{C572A759-6A51-4108-AA02-DFA0A04FC94B}">
-              <ma14:wrappingTextBoxFlag xmlns:ma14="http://schemas.microsoft.com/office/mac/drawingml/2011/main" val="1"/>
-            </a:ext>
-          </a:extLst>
-        </p:spPr>
-        <p:txBody>
-          <a:bodyPr wrap="none" lIns="45719" rIns="45719">
-            <a:spAutoFit/>
-          </a:bodyPr>
-          <a:lstStyle/>
-          <a:p>
-            <a:pPr/>
-            <a:r>
-              <a:t>NUCLEO F401RE</a:t>
-            </a:r>
-          </a:p>
-        </p:txBody>
-      </p:sp>
-      <p:sp>
-        <p:nvSpPr>
-          <p:cNvPr id="129" name="CasellaDiTesto 19"/>
-          <p:cNvSpPr txBox="1"/>
-          <p:nvPr/>
-        </p:nvSpPr>
-        <p:spPr>
-          <a:xfrm>
-            <a:off x="5834911" y="3715757"/>
-            <a:ext cx="1285315" cy="333088"/>
-          </a:xfrm>
-          <a:prstGeom prst="rect">
-            <a:avLst/>
-          </a:prstGeom>
-          <a:ln w="12700">
-            <a:miter lim="400000"/>
-          </a:ln>
-          <a:extLst>
-            <a:ext uri="{C572A759-6A51-4108-AA02-DFA0A04FC94B}">
-              <ma14:wrappingTextBoxFlag xmlns:ma14="http://schemas.microsoft.com/office/mac/drawingml/2011/main" val="1"/>
-            </a:ext>
-          </a:extLst>
-        </p:spPr>
-        <p:txBody>
-          <a:bodyPr wrap="none" lIns="45719" rIns="45719">
-            <a:spAutoFit/>
-          </a:bodyPr>
-          <a:lstStyle/>
-          <a:p>
-            <a:pPr/>
-            <a:r>
-              <a:t>Arduino Uno</a:t>
-            </a:r>
-          </a:p>
-        </p:txBody>
-      </p:sp>
-      <p:sp>
-        <p:nvSpPr>
-          <p:cNvPr id="130" name="CasellaDiTesto 20"/>
-          <p:cNvSpPr txBox="1"/>
-          <p:nvPr/>
-        </p:nvSpPr>
-        <p:spPr>
-          <a:xfrm>
-            <a:off x="9872175" y="2747256"/>
-            <a:ext cx="1443747" cy="383541"/>
-          </a:xfrm>
-          <a:prstGeom prst="rect">
-            <a:avLst/>
-          </a:prstGeom>
-          <a:ln w="12700">
-            <a:miter lim="400000"/>
-          </a:ln>
-          <a:extLst>
-            <a:ext uri="{C572A759-6A51-4108-AA02-DFA0A04FC94B}">
-              <ma14:wrappingTextBoxFlag xmlns:ma14="http://schemas.microsoft.com/office/mac/drawingml/2011/main" val="1"/>
-            </a:ext>
-          </a:extLst>
-        </p:spPr>
-        <p:txBody>
-          <a:bodyPr lIns="45719" rIns="45719">
-            <a:spAutoFit/>
-          </a:bodyPr>
-          <a:lstStyle>
-            <a:lvl1pPr>
-              <a:defRPr>
-                <a:latin typeface="Calisto MT"/>
-                <a:ea typeface="Calisto MT"/>
-                <a:cs typeface="Calisto MT"/>
-                <a:sym typeface="Calisto MT"/>
-              </a:defRPr>
-            </a:lvl1pPr>
-          </a:lstStyle>
-          <a:p>
-            <a:pPr/>
-            <a:r>
-              <a:t>TO WQMS</a:t>
-            </a:r>
-          </a:p>
-        </p:txBody>
-      </p:sp>
-      <p:sp>
-        <p:nvSpPr>
-          <p:cNvPr id="131" name="CasellaDiTesto 21"/>
-          <p:cNvSpPr txBox="1"/>
-          <p:nvPr/>
-        </p:nvSpPr>
-        <p:spPr>
-          <a:xfrm>
-            <a:off x="3005835" y="2497670"/>
-            <a:ext cx="670786" cy="256541"/>
-          </a:xfrm>
-          <a:prstGeom prst="rect">
-            <a:avLst/>
-          </a:prstGeom>
-          <a:ln w="12700">
-            <a:miter lim="400000"/>
-          </a:ln>
-          <a:extLst>
-            <a:ext uri="{C572A759-6A51-4108-AA02-DFA0A04FC94B}">
-              <ma14:wrappingTextBoxFlag xmlns:ma14="http://schemas.microsoft.com/office/mac/drawingml/2011/main" val="1"/>
-            </a:ext>
-          </a:extLst>
-        </p:spPr>
-        <p:txBody>
-          <a:bodyPr wrap="none" lIns="45719" rIns="45719">
-            <a:spAutoFit/>
-          </a:bodyPr>
-          <a:lstStyle>
-            <a:lvl1pPr>
-              <a:defRPr sz="1100">
-                <a:latin typeface="Calisto MT"/>
-                <a:ea typeface="Calisto MT"/>
-                <a:cs typeface="Calisto MT"/>
-                <a:sym typeface="Calisto MT"/>
-              </a:defRPr>
-            </a:lvl1pPr>
-          </a:lstStyle>
-          <a:p>
-            <a:pPr/>
-            <a:r>
-              <a:t>MASTER</a:t>
-            </a:r>
-          </a:p>
-        </p:txBody>
-      </p:sp>
-      <p:sp>
-        <p:nvSpPr>
-          <p:cNvPr id="132" name="CasellaDiTesto 22"/>
-          <p:cNvSpPr txBox="1"/>
-          <p:nvPr/>
-        </p:nvSpPr>
-        <p:spPr>
-          <a:xfrm>
-            <a:off x="5028025" y="2497670"/>
-            <a:ext cx="536270" cy="256541"/>
-          </a:xfrm>
-          <a:prstGeom prst="rect">
-            <a:avLst/>
-          </a:prstGeom>
-          <a:ln w="12700">
-            <a:miter lim="400000"/>
-          </a:ln>
-          <a:extLst>
-            <a:ext uri="{C572A759-6A51-4108-AA02-DFA0A04FC94B}">
-              <ma14:wrappingTextBoxFlag xmlns:ma14="http://schemas.microsoft.com/office/mac/drawingml/2011/main" val="1"/>
-            </a:ext>
-          </a:extLst>
-        </p:spPr>
-        <p:txBody>
-          <a:bodyPr wrap="none" lIns="45719" rIns="45719">
-            <a:spAutoFit/>
-          </a:bodyPr>
-          <a:lstStyle>
-            <a:lvl1pPr>
-              <a:defRPr sz="1100">
-                <a:latin typeface="Calisto MT"/>
-                <a:ea typeface="Calisto MT"/>
-                <a:cs typeface="Calisto MT"/>
-                <a:sym typeface="Calisto MT"/>
-              </a:defRPr>
-            </a:lvl1pPr>
-          </a:lstStyle>
-          <a:p>
-            <a:pPr/>
-            <a:r>
-              <a:t>SLAVE</a:t>
-            </a:r>
-          </a:p>
-        </p:txBody>
-      </p:sp>
-      <p:pic>
-        <p:nvPicPr>
-          <p:cNvPr id="133" name="sensor.png" descr="sensor.png"/>
-          <p:cNvPicPr>
-            <a:picLocks noChangeAspect="1"/>
-          </p:cNvPicPr>
-          <p:nvPr/>
-        </p:nvPicPr>
-        <p:blipFill>
-          <a:blip r:embed="rId5">
-            <a:extLst/>
-          </a:blip>
-          <a:stretch>
-            <a:fillRect/>
-          </a:stretch>
-        </p:blipFill>
-        <p:spPr>
-          <a:xfrm>
-            <a:off x="8836824" y="2431491"/>
-            <a:ext cx="1015071" cy="1015071"/>
-          </a:xfrm>
-          <a:prstGeom prst="rect">
-            <a:avLst/>
-          </a:prstGeom>
-          <a:ln w="12700">
-            <a:miter lim="400000"/>
-          </a:ln>
-        </p:spPr>
-      </p:pic>
     </p:spTree>
   </p:cSld>
   <p:clrMapOvr>
